--- a/src/game-map.pptx
+++ b/src/game-map.pptx
@@ -4091,7 +4091,7 @@
         </p:nvSpPr>
         <p:spPr>
           <a:xfrm>
-            <a:off x="8910505" y="4683687"/>
+            <a:off x="7839161" y="4089855"/>
             <a:ext cx="2060198" cy="1262439"/>
           </a:xfrm>
           <a:prstGeom prst="rect">
@@ -4140,7 +4140,7 @@
         </p:nvSpPr>
         <p:spPr>
           <a:xfrm>
-            <a:off x="9023057" y="5114395"/>
+            <a:off x="7951713" y="4573057"/>
             <a:ext cx="1835093" cy="701339"/>
           </a:xfrm>
           <a:prstGeom prst="rect">
@@ -4651,15 +4651,16 @@
           </p:cNvPr>
           <p:cNvCxnSpPr>
             <a:cxnSpLocks/>
+            <a:stCxn id="21" idx="0"/>
           </p:cNvCxnSpPr>
           <p:nvPr/>
         </p:nvCxnSpPr>
         <p:spPr>
-          <a:xfrm rot="10800000">
-            <a:off x="6767818" y="3094179"/>
-            <a:ext cx="2142686" cy="2020216"/>
+          <a:xfrm rot="16200000" flipV="1">
+            <a:off x="7320701" y="2541296"/>
+            <a:ext cx="995676" cy="2101442"/>
           </a:xfrm>
-          <a:prstGeom prst="bentConnector3">
+          <a:prstGeom prst="bentConnector2">
             <a:avLst/>
           </a:prstGeom>
           <a:ln>
@@ -4683,10 +4684,10 @@
       </p:cxnSp>
       <p:cxnSp>
         <p:nvCxnSpPr>
-          <p:cNvPr id="89" name="Straight Arrow Connector 88">
-            <a:extLst>
-              <a:ext uri="{FF2B5EF4-FFF2-40B4-BE49-F238E27FC236}">
-                <a16:creationId xmlns:a16="http://schemas.microsoft.com/office/drawing/2014/main" id="{1208D0A8-F51B-D897-6805-66BBAA08541D}"/>
+          <p:cNvPr id="8" name="Connector: Elbow 7">
+            <a:extLst>
+              <a:ext uri="{FF2B5EF4-FFF2-40B4-BE49-F238E27FC236}">
+                <a16:creationId xmlns:a16="http://schemas.microsoft.com/office/drawing/2014/main" id="{84721F68-A5CA-CE4E-28F9-2E36A4EA777B}"/>
               </a:ext>
             </a:extLst>
           </p:cNvPr>
@@ -4696,9 +4697,53 @@
           <p:nvPr/>
         </p:nvCxnSpPr>
         <p:spPr>
-          <a:xfrm>
-            <a:off x="7064231" y="5465064"/>
-            <a:ext cx="1846273" cy="0"/>
+          <a:xfrm flipV="1">
+            <a:off x="7070170" y="2731476"/>
+            <a:ext cx="3256678" cy="3228540"/>
+          </a:xfrm>
+          <a:prstGeom prst="bentConnector3">
+            <a:avLst>
+              <a:gd name="adj1" fmla="val 99973"/>
+            </a:avLst>
+          </a:prstGeom>
+          <a:ln>
+            <a:tailEnd type="triangle"/>
+          </a:ln>
+        </p:spPr>
+        <p:style>
+          <a:lnRef idx="1">
+            <a:schemeClr val="accent1"/>
+          </a:lnRef>
+          <a:fillRef idx="0">
+            <a:schemeClr val="accent1"/>
+          </a:fillRef>
+          <a:effectRef idx="0">
+            <a:schemeClr val="accent1"/>
+          </a:effectRef>
+          <a:fontRef idx="minor">
+            <a:schemeClr val="tx1"/>
+          </a:fontRef>
+        </p:style>
+      </p:cxnSp>
+      <p:cxnSp>
+        <p:nvCxnSpPr>
+          <p:cNvPr id="12" name="Straight Arrow Connector 11">
+            <a:extLst>
+              <a:ext uri="{FF2B5EF4-FFF2-40B4-BE49-F238E27FC236}">
+                <a16:creationId xmlns:a16="http://schemas.microsoft.com/office/drawing/2014/main" id="{937A7F2E-CE41-6C84-4D9B-A27CC70C6C3F}"/>
+              </a:ext>
+            </a:extLst>
+          </p:cNvPr>
+          <p:cNvCxnSpPr>
+            <a:cxnSpLocks/>
+            <a:endCxn id="21" idx="2"/>
+          </p:cNvCxnSpPr>
+          <p:nvPr/>
+        </p:nvCxnSpPr>
+        <p:spPr>
+          <a:xfrm flipV="1">
+            <a:off x="8869260" y="5352294"/>
+            <a:ext cx="0" cy="607722"/>
           </a:xfrm>
           <a:prstGeom prst="straightConnector1">
             <a:avLst/>
